--- a/A5_skeleton_and_plan/Final-Presentation.pptx
+++ b/A5_skeleton_and_plan/Final-Presentation.pptx
@@ -269,7 +269,7 @@
           <a:p>
             <a:fld id="{015A35DF-AEDA-4A63-BC9B-8F4603539B4C}" type="datetimeFigureOut">
               <a:rPr lang="en-PH" smtClean="0"/>
-              <a:t>19/09/2019</a:t>
+              <a:t>20/09/2019</a:t>
             </a:fld>
             <a:endParaRPr lang="en-PH"/>
           </a:p>
@@ -469,7 +469,7 @@
           <a:p>
             <a:fld id="{015A35DF-AEDA-4A63-BC9B-8F4603539B4C}" type="datetimeFigureOut">
               <a:rPr lang="en-PH" smtClean="0"/>
-              <a:t>19/09/2019</a:t>
+              <a:t>20/09/2019</a:t>
             </a:fld>
             <a:endParaRPr lang="en-PH"/>
           </a:p>
@@ -679,7 +679,7 @@
           <a:p>
             <a:fld id="{015A35DF-AEDA-4A63-BC9B-8F4603539B4C}" type="datetimeFigureOut">
               <a:rPr lang="en-PH" smtClean="0"/>
-              <a:t>19/09/2019</a:t>
+              <a:t>20/09/2019</a:t>
             </a:fld>
             <a:endParaRPr lang="en-PH"/>
           </a:p>
@@ -879,7 +879,7 @@
           <a:p>
             <a:fld id="{015A35DF-AEDA-4A63-BC9B-8F4603539B4C}" type="datetimeFigureOut">
               <a:rPr lang="en-PH" smtClean="0"/>
-              <a:t>19/09/2019</a:t>
+              <a:t>20/09/2019</a:t>
             </a:fld>
             <a:endParaRPr lang="en-PH"/>
           </a:p>
@@ -1155,7 +1155,7 @@
           <a:p>
             <a:fld id="{015A35DF-AEDA-4A63-BC9B-8F4603539B4C}" type="datetimeFigureOut">
               <a:rPr lang="en-PH" smtClean="0"/>
-              <a:t>19/09/2019</a:t>
+              <a:t>20/09/2019</a:t>
             </a:fld>
             <a:endParaRPr lang="en-PH"/>
           </a:p>
@@ -1423,7 +1423,7 @@
           <a:p>
             <a:fld id="{015A35DF-AEDA-4A63-BC9B-8F4603539B4C}" type="datetimeFigureOut">
               <a:rPr lang="en-PH" smtClean="0"/>
-              <a:t>19/09/2019</a:t>
+              <a:t>20/09/2019</a:t>
             </a:fld>
             <a:endParaRPr lang="en-PH"/>
           </a:p>
@@ -1838,7 +1838,7 @@
           <a:p>
             <a:fld id="{015A35DF-AEDA-4A63-BC9B-8F4603539B4C}" type="datetimeFigureOut">
               <a:rPr lang="en-PH" smtClean="0"/>
-              <a:t>19/09/2019</a:t>
+              <a:t>20/09/2019</a:t>
             </a:fld>
             <a:endParaRPr lang="en-PH"/>
           </a:p>
@@ -1980,7 +1980,7 @@
           <a:p>
             <a:fld id="{015A35DF-AEDA-4A63-BC9B-8F4603539B4C}" type="datetimeFigureOut">
               <a:rPr lang="en-PH" smtClean="0"/>
-              <a:t>19/09/2019</a:t>
+              <a:t>20/09/2019</a:t>
             </a:fld>
             <a:endParaRPr lang="en-PH"/>
           </a:p>
@@ -2093,7 +2093,7 @@
           <a:p>
             <a:fld id="{015A35DF-AEDA-4A63-BC9B-8F4603539B4C}" type="datetimeFigureOut">
               <a:rPr lang="en-PH" smtClean="0"/>
-              <a:t>19/09/2019</a:t>
+              <a:t>20/09/2019</a:t>
             </a:fld>
             <a:endParaRPr lang="en-PH"/>
           </a:p>
@@ -2406,7 +2406,7 @@
           <a:p>
             <a:fld id="{015A35DF-AEDA-4A63-BC9B-8F4603539B4C}" type="datetimeFigureOut">
               <a:rPr lang="en-PH" smtClean="0"/>
-              <a:t>19/09/2019</a:t>
+              <a:t>20/09/2019</a:t>
             </a:fld>
             <a:endParaRPr lang="en-PH"/>
           </a:p>
@@ -2695,7 +2695,7 @@
           <a:p>
             <a:fld id="{015A35DF-AEDA-4A63-BC9B-8F4603539B4C}" type="datetimeFigureOut">
               <a:rPr lang="en-PH" smtClean="0"/>
-              <a:t>19/09/2019</a:t>
+              <a:t>20/09/2019</a:t>
             </a:fld>
             <a:endParaRPr lang="en-PH"/>
           </a:p>
@@ -2938,7 +2938,7 @@
           <a:p>
             <a:fld id="{015A35DF-AEDA-4A63-BC9B-8F4603539B4C}" type="datetimeFigureOut">
               <a:rPr lang="en-PH" smtClean="0"/>
-              <a:t>19/09/2019</a:t>
+              <a:t>20/09/2019</a:t>
             </a:fld>
             <a:endParaRPr lang="en-PH"/>
           </a:p>
@@ -7376,10 +7376,10 @@
       </p:sp>
       <p:sp>
         <p:nvSpPr>
-          <p:cNvPr id="20" name="Flowchart: Decision 19">
-            <a:extLst>
-              <a:ext uri="{FF2B5EF4-FFF2-40B4-BE49-F238E27FC236}">
-                <a16:creationId xmlns:a16="http://schemas.microsoft.com/office/drawing/2014/main" id="{714C3306-1C0E-4441-9FFA-A5DF3202BDD2}"/>
+          <p:cNvPr id="21" name="Flowchart: Decision 20">
+            <a:extLst>
+              <a:ext uri="{FF2B5EF4-FFF2-40B4-BE49-F238E27FC236}">
+                <a16:creationId xmlns:a16="http://schemas.microsoft.com/office/drawing/2014/main" id="{7621C184-344B-4AC3-84CD-4C5AA0909375}"/>
               </a:ext>
             </a:extLst>
           </p:cNvPr>
@@ -7388,7 +7388,7 @@
         </p:nvSpPr>
         <p:spPr>
           <a:xfrm>
-            <a:off x="372950" y="1117196"/>
+            <a:off x="4681547" y="1597485"/>
             <a:ext cx="3648034" cy="2444183"/>
           </a:xfrm>
           <a:prstGeom prst="flowChartDecision">
@@ -7428,7 +7428,7 @@
                   <a:schemeClr val="tx1"/>
                 </a:solidFill>
               </a:rPr>
-              <a:t>Improve the UI Design of the application, it’s kind of plain.</a:t>
+              <a:t>It’s really simple, not complicated at all. </a:t>
             </a:r>
             <a:endParaRPr lang="en-PH" dirty="0">
               <a:solidFill>
@@ -7440,10 +7440,10 @@
       </p:sp>
       <p:sp>
         <p:nvSpPr>
-          <p:cNvPr id="21" name="Flowchart: Decision 20">
-            <a:extLst>
-              <a:ext uri="{FF2B5EF4-FFF2-40B4-BE49-F238E27FC236}">
-                <a16:creationId xmlns:a16="http://schemas.microsoft.com/office/drawing/2014/main" id="{7621C184-344B-4AC3-84CD-4C5AA0909375}"/>
+          <p:cNvPr id="22" name="Flowchart: Decision 21">
+            <a:extLst>
+              <a:ext uri="{FF2B5EF4-FFF2-40B4-BE49-F238E27FC236}">
+                <a16:creationId xmlns:a16="http://schemas.microsoft.com/office/drawing/2014/main" id="{01571E90-213B-46B0-8605-444F463BCC42}"/>
               </a:ext>
             </a:extLst>
           </p:cNvPr>
@@ -7452,7 +7452,7 @@
         </p:nvSpPr>
         <p:spPr>
           <a:xfrm>
-            <a:off x="3947586" y="3873817"/>
+            <a:off x="13145" y="1597485"/>
             <a:ext cx="3648034" cy="2444183"/>
           </a:xfrm>
           <a:prstGeom prst="flowChartDecision">
@@ -7487,134 +7487,6 @@
           <a:p>
             <a:pPr algn="ctr"/>
             <a:r>
-              <a:rPr lang="en-US" sz="1400" dirty="0">
-                <a:solidFill>
-                  <a:schemeClr val="tx1"/>
-                </a:solidFill>
-              </a:rPr>
-              <a:t>It’s really simple, not complicated at all. </a:t>
-            </a:r>
-            <a:r>
-              <a:rPr lang="en-US" sz="1400" dirty="0" err="1">
-                <a:solidFill>
-                  <a:schemeClr val="tx1"/>
-                </a:solidFill>
-              </a:rPr>
-              <a:t>Siguro</a:t>
-            </a:r>
-            <a:r>
-              <a:rPr lang="en-US" sz="1400" dirty="0">
-                <a:solidFill>
-                  <a:schemeClr val="tx1"/>
-                </a:solidFill>
-              </a:rPr>
-              <a:t>, ang downfall na </a:t>
-            </a:r>
-            <a:r>
-              <a:rPr lang="en-US" sz="1400" dirty="0" err="1">
-                <a:solidFill>
-                  <a:schemeClr val="tx1"/>
-                </a:solidFill>
-              </a:rPr>
-              <a:t>lang</a:t>
-            </a:r>
-            <a:r>
-              <a:rPr lang="en-US" sz="1400" dirty="0">
-                <a:solidFill>
-                  <a:schemeClr val="tx1"/>
-                </a:solidFill>
-              </a:rPr>
-              <a:t> is </a:t>
-            </a:r>
-            <a:r>
-              <a:rPr lang="en-US" sz="1400" dirty="0" err="1">
-                <a:solidFill>
-                  <a:schemeClr val="tx1"/>
-                </a:solidFill>
-              </a:rPr>
-              <a:t>kapag</a:t>
-            </a:r>
-            <a:r>
-              <a:rPr lang="en-US" sz="1400" dirty="0">
-                <a:solidFill>
-                  <a:schemeClr val="tx1"/>
-                </a:solidFill>
-              </a:rPr>
-              <a:t> walang internet access </a:t>
-            </a:r>
-            <a:r>
-              <a:rPr lang="en-US" sz="1400" dirty="0" err="1">
-                <a:solidFill>
-                  <a:schemeClr val="tx1"/>
-                </a:solidFill>
-              </a:rPr>
-              <a:t>yung</a:t>
-            </a:r>
-            <a:r>
-              <a:rPr lang="en-US" sz="1400" dirty="0">
-                <a:solidFill>
-                  <a:schemeClr val="tx1"/>
-                </a:solidFill>
-              </a:rPr>
-              <a:t> customer mo.</a:t>
-            </a:r>
-            <a:endParaRPr lang="en-PH" sz="1400" dirty="0">
-              <a:solidFill>
-                <a:schemeClr val="tx1"/>
-              </a:solidFill>
-            </a:endParaRPr>
-          </a:p>
-        </p:txBody>
-      </p:sp>
-      <p:sp>
-        <p:nvSpPr>
-          <p:cNvPr id="22" name="Flowchart: Decision 21">
-            <a:extLst>
-              <a:ext uri="{FF2B5EF4-FFF2-40B4-BE49-F238E27FC236}">
-                <a16:creationId xmlns:a16="http://schemas.microsoft.com/office/drawing/2014/main" id="{01571E90-213B-46B0-8605-444F463BCC42}"/>
-              </a:ext>
-            </a:extLst>
-          </p:cNvPr>
-          <p:cNvSpPr/>
-          <p:nvPr/>
-        </p:nvSpPr>
-        <p:spPr>
-          <a:xfrm>
-            <a:off x="1401972" y="2991226"/>
-            <a:ext cx="3648034" cy="2444183"/>
-          </a:xfrm>
-          <a:prstGeom prst="flowChartDecision">
-            <a:avLst/>
-          </a:prstGeom>
-          <a:solidFill>
-            <a:schemeClr val="accent4">
-              <a:alpha val="50000"/>
-            </a:schemeClr>
-          </a:solidFill>
-          <a:ln>
-            <a:noFill/>
-          </a:ln>
-        </p:spPr>
-        <p:style>
-          <a:lnRef idx="0">
-            <a:scrgbClr r="0" g="0" b="0"/>
-          </a:lnRef>
-          <a:fillRef idx="0">
-            <a:scrgbClr r="0" g="0" b="0"/>
-          </a:fillRef>
-          <a:effectRef idx="0">
-            <a:scrgbClr r="0" g="0" b="0"/>
-          </a:effectRef>
-          <a:fontRef idx="minor">
-            <a:schemeClr val="lt1"/>
-          </a:fontRef>
-        </p:style>
-        <p:txBody>
-          <a:bodyPr rtlCol="0" anchor="ctr"/>
-          <a:lstStyle/>
-          <a:p>
-            <a:pPr algn="ctr"/>
-            <a:r>
               <a:rPr lang="en-US" sz="1600" dirty="0">
                 <a:solidFill>
                   <a:schemeClr val="tx1"/>
@@ -7644,7 +7516,7 @@
         </p:nvSpPr>
         <p:spPr>
           <a:xfrm>
-            <a:off x="3316867" y="1727503"/>
+            <a:off x="2347346" y="2962988"/>
             <a:ext cx="3648034" cy="2444183"/>
           </a:xfrm>
           <a:prstGeom prst="flowChartDecision">
@@ -7817,7 +7689,7 @@
                                           </p:stCondLst>
                                         </p:cTn>
                                         <p:tgtEl>
-                                          <p:spTgt spid="20"/>
+                                          <p:spTgt spid="21"/>
                                         </p:tgtEl>
                                         <p:attrNameLst>
                                           <p:attrName>style.visibility</p:attrName>
@@ -7831,7 +7703,7 @@
                                       <p:cBhvr>
                                         <p:cTn id="7" dur="500"/>
                                         <p:tgtEl>
-                                          <p:spTgt spid="20"/>
+                                          <p:spTgt spid="21"/>
                                         </p:tgtEl>
                                       </p:cBhvr>
                                     </p:animEffect>
@@ -7861,7 +7733,7 @@
                                           </p:stCondLst>
                                         </p:cTn>
                                         <p:tgtEl>
-                                          <p:spTgt spid="21"/>
+                                          <p:spTgt spid="22"/>
                                         </p:tgtEl>
                                         <p:attrNameLst>
                                           <p:attrName>style.visibility</p:attrName>
@@ -7875,7 +7747,7 @@
                                       <p:cBhvr>
                                         <p:cTn id="11" dur="500"/>
                                         <p:tgtEl>
-                                          <p:spTgt spid="21"/>
+                                          <p:spTgt spid="22"/>
                                         </p:tgtEl>
                                       </p:cBhvr>
                                     </p:animEffect>
@@ -7905,7 +7777,7 @@
                                           </p:stCondLst>
                                         </p:cTn>
                                         <p:tgtEl>
-                                          <p:spTgt spid="22"/>
+                                          <p:spTgt spid="24"/>
                                         </p:tgtEl>
                                         <p:attrNameLst>
                                           <p:attrName>style.visibility</p:attrName>
@@ -7918,50 +7790,6 @@
                                     <p:animEffect transition="in" filter="fade">
                                       <p:cBhvr>
                                         <p:cTn id="15" dur="500"/>
-                                        <p:tgtEl>
-                                          <p:spTgt spid="22"/>
-                                        </p:tgtEl>
-                                      </p:cBhvr>
-                                    </p:animEffect>
-                                  </p:childTnLst>
-                                </p:cTn>
-                              </p:par>
-                            </p:childTnLst>
-                          </p:cTn>
-                        </p:par>
-                        <p:par>
-                          <p:cTn id="16" fill="hold">
-                            <p:stCondLst>
-                              <p:cond delay="1500"/>
-                            </p:stCondLst>
-                            <p:childTnLst>
-                              <p:par>
-                                <p:cTn id="17" presetID="10" presetClass="entr" presetSubtype="0" fill="hold" grpId="0" nodeType="afterEffect">
-                                  <p:stCondLst>
-                                    <p:cond delay="0"/>
-                                  </p:stCondLst>
-                                  <p:childTnLst>
-                                    <p:set>
-                                      <p:cBhvr>
-                                        <p:cTn id="18" dur="1" fill="hold">
-                                          <p:stCondLst>
-                                            <p:cond delay="0"/>
-                                          </p:stCondLst>
-                                        </p:cTn>
-                                        <p:tgtEl>
-                                          <p:spTgt spid="24"/>
-                                        </p:tgtEl>
-                                        <p:attrNameLst>
-                                          <p:attrName>style.visibility</p:attrName>
-                                        </p:attrNameLst>
-                                      </p:cBhvr>
-                                      <p:to>
-                                        <p:strVal val="visible"/>
-                                      </p:to>
-                                    </p:set>
-                                    <p:animEffect transition="in" filter="fade">
-                                      <p:cBhvr>
-                                        <p:cTn id="19" dur="500"/>
                                         <p:tgtEl>
                                           <p:spTgt spid="24"/>
                                         </p:tgtEl>
@@ -7998,7 +7826,6 @@
       </p:par>
     </p:tnLst>
     <p:bldLst>
-      <p:bldP spid="20" grpId="0" animBg="1"/>
       <p:bldP spid="21" grpId="0" animBg="1"/>
       <p:bldP spid="22" grpId="0" animBg="1"/>
       <p:bldP spid="24" grpId="0" animBg="1"/>
